--- a/Dražen Đanić - Soft kompjuting (final).pptx
+++ b/Dražen Đanić - Soft kompjuting (final).pptx
@@ -14,6 +14,14 @@
     <p:sldId id="262" r:id="rId8"/>
     <p:sldId id="263" r:id="rId9"/>
     <p:sldId id="264" r:id="rId10"/>
+    <p:sldId id="266" r:id="rId11"/>
+    <p:sldId id="267" r:id="rId12"/>
+    <p:sldId id="268" r:id="rId13"/>
+    <p:sldId id="269" r:id="rId14"/>
+    <p:sldId id="270" r:id="rId15"/>
+    <p:sldId id="271" r:id="rId16"/>
+    <p:sldId id="272" r:id="rId17"/>
+    <p:sldId id="265" r:id="rId18"/>
   </p:sldIdLst>
   <p:sldSz cx="12192000" cy="6858000"/>
   <p:notesSz cx="6858000" cy="9144000"/>
@@ -112,6 +120,11 @@
       </a:defRPr>
     </a:lvl9pPr>
   </p:defaultTextStyle>
+  <p:extLst>
+    <p:ext uri="{EFAFB233-063F-42B5-8137-9DF3F51BA10A}">
+      <p15:sldGuideLst xmlns:p15="http://schemas.microsoft.com/office/powerpoint/2012/main"/>
+    </p:ext>
+  </p:extLst>
 </p:presentation>
 </file>
 
@@ -165,7 +178,7 @@
           <a:noFill/>
           <a:extLst>
             <a:ext uri="{909E8E84-426E-40dd-AFC4-6F175D3DCCD1}">
-              <a14:hiddenFill xmlns:a14="http://schemas.microsoft.com/office/drawing/2010/main" xmlns="">
+              <a14:hiddenFill xmlns="" xmlns:a14="http://schemas.microsoft.com/office/drawing/2010/main">
                 <a:solidFill>
                   <a:srgbClr val="FFFFFF"/>
                 </a:solidFill>
@@ -225,7 +238,7 @@
             </a:ln>
             <a:extLst>
               <a:ext uri="{91240B29-F687-4f45-9708-019B960494DF}">
-                <a14:hiddenLine xmlns:a14="http://schemas.microsoft.com/office/drawing/2010/main" xmlns="" w="9525">
+                <a14:hiddenLine xmlns="" xmlns:a14="http://schemas.microsoft.com/office/drawing/2010/main" w="9525">
                   <a:solidFill>
                     <a:srgbClr val="000000"/>
                   </a:solidFill>
@@ -315,7 +328,7 @@
             </a:ln>
             <a:extLst>
               <a:ext uri="{91240B29-F687-4f45-9708-019B960494DF}">
-                <a14:hiddenLine xmlns:a14="http://schemas.microsoft.com/office/drawing/2010/main" xmlns="" w="9525">
+                <a14:hiddenLine xmlns="" xmlns:a14="http://schemas.microsoft.com/office/drawing/2010/main" w="9525">
                   <a:solidFill>
                     <a:srgbClr val="000000"/>
                   </a:solidFill>
@@ -405,7 +418,7 @@
             </a:ln>
             <a:extLst>
               <a:ext uri="{91240B29-F687-4f45-9708-019B960494DF}">
-                <a14:hiddenLine xmlns:a14="http://schemas.microsoft.com/office/drawing/2010/main" xmlns="" w="9525">
+                <a14:hiddenLine xmlns="" xmlns:a14="http://schemas.microsoft.com/office/drawing/2010/main" w="9525">
                   <a:solidFill>
                     <a:srgbClr val="000000"/>
                   </a:solidFill>
@@ -439,7 +452,7 @@
             </a:ln>
             <a:extLst>
               <a:ext uri="{91240B29-F687-4f45-9708-019B960494DF}">
-                <a14:hiddenLine xmlns:a14="http://schemas.microsoft.com/office/drawing/2010/main" xmlns="" w="9525">
+                <a14:hiddenLine xmlns="" xmlns:a14="http://schemas.microsoft.com/office/drawing/2010/main" w="9525">
                   <a:solidFill>
                     <a:srgbClr val="000000"/>
                   </a:solidFill>
@@ -529,7 +542,7 @@
             </a:ln>
             <a:extLst>
               <a:ext uri="{91240B29-F687-4f45-9708-019B960494DF}">
-                <a14:hiddenLine xmlns:a14="http://schemas.microsoft.com/office/drawing/2010/main" xmlns="" w="9525">
+                <a14:hiddenLine xmlns="" xmlns:a14="http://schemas.microsoft.com/office/drawing/2010/main" w="9525">
                   <a:solidFill>
                     <a:srgbClr val="000000"/>
                   </a:solidFill>
@@ -591,7 +604,7 @@
             </a:ln>
             <a:extLst>
               <a:ext uri="{91240B29-F687-4f45-9708-019B960494DF}">
-                <a14:hiddenLine xmlns:a14="http://schemas.microsoft.com/office/drawing/2010/main" xmlns="" w="9525">
+                <a14:hiddenLine xmlns="" xmlns:a14="http://schemas.microsoft.com/office/drawing/2010/main" w="9525">
                   <a:solidFill>
                     <a:srgbClr val="000000"/>
                   </a:solidFill>
@@ -653,7 +666,7 @@
             </a:ln>
             <a:extLst>
               <a:ext uri="{91240B29-F687-4f45-9708-019B960494DF}">
-                <a14:hiddenLine xmlns:a14="http://schemas.microsoft.com/office/drawing/2010/main" xmlns="" w="9525">
+                <a14:hiddenLine xmlns="" xmlns:a14="http://schemas.microsoft.com/office/drawing/2010/main" w="9525">
                   <a:solidFill>
                     <a:srgbClr val="000000"/>
                   </a:solidFill>
@@ -743,7 +756,7 @@
             </a:ln>
             <a:extLst>
               <a:ext uri="{91240B29-F687-4f45-9708-019B960494DF}">
-                <a14:hiddenLine xmlns:a14="http://schemas.microsoft.com/office/drawing/2010/main" xmlns="" w="9525">
+                <a14:hiddenLine xmlns="" xmlns:a14="http://schemas.microsoft.com/office/drawing/2010/main" w="9525">
                   <a:solidFill>
                     <a:srgbClr val="000000"/>
                   </a:solidFill>
@@ -805,7 +818,7 @@
             </a:ln>
             <a:extLst>
               <a:ext uri="{91240B29-F687-4f45-9708-019B960494DF}">
-                <a14:hiddenLine xmlns:a14="http://schemas.microsoft.com/office/drawing/2010/main" xmlns="" w="9525">
+                <a14:hiddenLine xmlns="" xmlns:a14="http://schemas.microsoft.com/office/drawing/2010/main" w="9525">
                   <a:solidFill>
                     <a:srgbClr val="000000"/>
                   </a:solidFill>
@@ -867,7 +880,7 @@
             </a:ln>
             <a:extLst>
               <a:ext uri="{91240B29-F687-4f45-9708-019B960494DF}">
-                <a14:hiddenLine xmlns:a14="http://schemas.microsoft.com/office/drawing/2010/main" xmlns="" w="9525">
+                <a14:hiddenLine xmlns="" xmlns:a14="http://schemas.microsoft.com/office/drawing/2010/main" w="9525">
                   <a:solidFill>
                     <a:srgbClr val="000000"/>
                   </a:solidFill>
@@ -957,7 +970,7 @@
             </a:ln>
             <a:extLst>
               <a:ext uri="{91240B29-F687-4f45-9708-019B960494DF}">
-                <a14:hiddenLine xmlns:a14="http://schemas.microsoft.com/office/drawing/2010/main" xmlns="" w="9525">
+                <a14:hiddenLine xmlns="" xmlns:a14="http://schemas.microsoft.com/office/drawing/2010/main" w="9525">
                   <a:solidFill>
                     <a:srgbClr val="000000"/>
                   </a:solidFill>
@@ -1047,7 +1060,7 @@
             </a:ln>
             <a:extLst>
               <a:ext uri="{91240B29-F687-4f45-9708-019B960494DF}">
-                <a14:hiddenLine xmlns:a14="http://schemas.microsoft.com/office/drawing/2010/main" xmlns="" w="9525">
+                <a14:hiddenLine xmlns="" xmlns:a14="http://schemas.microsoft.com/office/drawing/2010/main" w="9525">
                   <a:solidFill>
                     <a:srgbClr val="000000"/>
                   </a:solidFill>
@@ -1109,7 +1122,7 @@
             </a:ln>
             <a:extLst>
               <a:ext uri="{91240B29-F687-4f45-9708-019B960494DF}">
-                <a14:hiddenLine xmlns:a14="http://schemas.microsoft.com/office/drawing/2010/main" xmlns="" w="9525">
+                <a14:hiddenLine xmlns="" xmlns:a14="http://schemas.microsoft.com/office/drawing/2010/main" w="9525">
                   <a:solidFill>
                     <a:srgbClr val="000000"/>
                   </a:solidFill>
@@ -1219,7 +1232,7 @@
             </a:ln>
             <a:extLst>
               <a:ext uri="{91240B29-F687-4f45-9708-019B960494DF}">
-                <a14:hiddenLine xmlns:a14="http://schemas.microsoft.com/office/drawing/2010/main" xmlns="" w="9525">
+                <a14:hiddenLine xmlns="" xmlns:a14="http://schemas.microsoft.com/office/drawing/2010/main" w="9525">
                   <a:solidFill>
                     <a:srgbClr val="000000"/>
                   </a:solidFill>
@@ -1281,7 +1294,7 @@
             </a:ln>
             <a:extLst>
               <a:ext uri="{91240B29-F687-4f45-9708-019B960494DF}">
-                <a14:hiddenLine xmlns:a14="http://schemas.microsoft.com/office/drawing/2010/main" xmlns="" w="9525">
+                <a14:hiddenLine xmlns="" xmlns:a14="http://schemas.microsoft.com/office/drawing/2010/main" w="9525">
                   <a:solidFill>
                     <a:srgbClr val="000000"/>
                   </a:solidFill>
@@ -1371,7 +1384,7 @@
             </a:ln>
             <a:extLst>
               <a:ext uri="{91240B29-F687-4f45-9708-019B960494DF}">
-                <a14:hiddenLine xmlns:a14="http://schemas.microsoft.com/office/drawing/2010/main" xmlns="" w="9525">
+                <a14:hiddenLine xmlns="" xmlns:a14="http://schemas.microsoft.com/office/drawing/2010/main" w="9525">
                   <a:solidFill>
                     <a:srgbClr val="000000"/>
                   </a:solidFill>
@@ -1461,7 +1474,7 @@
             </a:ln>
             <a:extLst>
               <a:ext uri="{91240B29-F687-4f45-9708-019B960494DF}">
-                <a14:hiddenLine xmlns:a14="http://schemas.microsoft.com/office/drawing/2010/main" xmlns="" w="9525">
+                <a14:hiddenLine xmlns="" xmlns:a14="http://schemas.microsoft.com/office/drawing/2010/main" w="9525">
                   <a:solidFill>
                     <a:srgbClr val="000000"/>
                   </a:solidFill>
@@ -1523,7 +1536,7 @@
             </a:ln>
             <a:extLst>
               <a:ext uri="{91240B29-F687-4f45-9708-019B960494DF}">
-                <a14:hiddenLine xmlns:a14="http://schemas.microsoft.com/office/drawing/2010/main" xmlns="" w="9525">
+                <a14:hiddenLine xmlns="" xmlns:a14="http://schemas.microsoft.com/office/drawing/2010/main" w="9525">
                   <a:solidFill>
                     <a:srgbClr val="000000"/>
                   </a:solidFill>
@@ -1613,7 +1626,7 @@
             </a:ln>
             <a:extLst>
               <a:ext uri="{91240B29-F687-4f45-9708-019B960494DF}">
-                <a14:hiddenLine xmlns:a14="http://schemas.microsoft.com/office/drawing/2010/main" xmlns="" w="9525">
+                <a14:hiddenLine xmlns="" xmlns:a14="http://schemas.microsoft.com/office/drawing/2010/main" w="9525">
                   <a:solidFill>
                     <a:srgbClr val="000000"/>
                   </a:solidFill>
@@ -1703,7 +1716,7 @@
             </a:ln>
             <a:extLst>
               <a:ext uri="{91240B29-F687-4f45-9708-019B960494DF}">
-                <a14:hiddenLine xmlns:a14="http://schemas.microsoft.com/office/drawing/2010/main" xmlns="" w="9525">
+                <a14:hiddenLine xmlns="" xmlns:a14="http://schemas.microsoft.com/office/drawing/2010/main" w="9525">
                   <a:solidFill>
                     <a:srgbClr val="000000"/>
                   </a:solidFill>
@@ -1759,7 +1772,7 @@
             </a:ln>
             <a:extLst>
               <a:ext uri="{91240B29-F687-4f45-9708-019B960494DF}">
-                <a14:hiddenLine xmlns:a14="http://schemas.microsoft.com/office/drawing/2010/main" xmlns="" w="9525">
+                <a14:hiddenLine xmlns="" xmlns:a14="http://schemas.microsoft.com/office/drawing/2010/main" w="9525">
                   <a:solidFill>
                     <a:srgbClr val="000000"/>
                   </a:solidFill>
@@ -1849,7 +1862,7 @@
             </a:ln>
             <a:extLst>
               <a:ext uri="{91240B29-F687-4f45-9708-019B960494DF}">
-                <a14:hiddenLine xmlns:a14="http://schemas.microsoft.com/office/drawing/2010/main" xmlns="" w="9525">
+                <a14:hiddenLine xmlns="" xmlns:a14="http://schemas.microsoft.com/office/drawing/2010/main" w="9525">
                   <a:solidFill>
                     <a:srgbClr val="000000"/>
                   </a:solidFill>
@@ -1905,7 +1918,7 @@
             </a:ln>
             <a:extLst>
               <a:ext uri="{91240B29-F687-4f45-9708-019B960494DF}">
-                <a14:hiddenLine xmlns:a14="http://schemas.microsoft.com/office/drawing/2010/main" xmlns="" w="9525">
+                <a14:hiddenLine xmlns="" xmlns:a14="http://schemas.microsoft.com/office/drawing/2010/main" w="9525">
                   <a:solidFill>
                     <a:srgbClr val="000000"/>
                   </a:solidFill>
@@ -1995,7 +2008,7 @@
             </a:ln>
             <a:extLst>
               <a:ext uri="{91240B29-F687-4f45-9708-019B960494DF}">
-                <a14:hiddenLine xmlns:a14="http://schemas.microsoft.com/office/drawing/2010/main" xmlns="" w="9525">
+                <a14:hiddenLine xmlns="" xmlns:a14="http://schemas.microsoft.com/office/drawing/2010/main" w="9525">
                   <a:solidFill>
                     <a:srgbClr val="000000"/>
                   </a:solidFill>
@@ -2063,7 +2076,7 @@
             </a:ln>
             <a:extLst>
               <a:ext uri="{91240B29-F687-4f45-9708-019B960494DF}">
-                <a14:hiddenLine xmlns:a14="http://schemas.microsoft.com/office/drawing/2010/main" xmlns="" w="9525">
+                <a14:hiddenLine xmlns="" xmlns:a14="http://schemas.microsoft.com/office/drawing/2010/main" w="9525">
                   <a:solidFill>
                     <a:srgbClr val="000000"/>
                   </a:solidFill>
@@ -2153,7 +2166,7 @@
             </a:ln>
             <a:extLst>
               <a:ext uri="{91240B29-F687-4f45-9708-019B960494DF}">
-                <a14:hiddenLine xmlns:a14="http://schemas.microsoft.com/office/drawing/2010/main" xmlns="" w="9525">
+                <a14:hiddenLine xmlns="" xmlns:a14="http://schemas.microsoft.com/office/drawing/2010/main" w="9525">
                   <a:solidFill>
                     <a:srgbClr val="000000"/>
                   </a:solidFill>
@@ -2221,7 +2234,7 @@
             </a:ln>
             <a:extLst>
               <a:ext uri="{91240B29-F687-4f45-9708-019B960494DF}">
-                <a14:hiddenLine xmlns:a14="http://schemas.microsoft.com/office/drawing/2010/main" xmlns="" w="9525">
+                <a14:hiddenLine xmlns="" xmlns:a14="http://schemas.microsoft.com/office/drawing/2010/main" w="9525">
                   <a:solidFill>
                     <a:srgbClr val="000000"/>
                   </a:solidFill>
@@ -2311,7 +2324,7 @@
             </a:ln>
             <a:extLst>
               <a:ext uri="{91240B29-F687-4f45-9708-019B960494DF}">
-                <a14:hiddenLine xmlns:a14="http://schemas.microsoft.com/office/drawing/2010/main" xmlns="" w="9525">
+                <a14:hiddenLine xmlns="" xmlns:a14="http://schemas.microsoft.com/office/drawing/2010/main" w="9525">
                   <a:solidFill>
                     <a:srgbClr val="000000"/>
                   </a:solidFill>
@@ -2345,7 +2358,7 @@
             </a:ln>
             <a:extLst>
               <a:ext uri="{91240B29-F687-4f45-9708-019B960494DF}">
-                <a14:hiddenLine xmlns:a14="http://schemas.microsoft.com/office/drawing/2010/main" xmlns="" w="9525">
+                <a14:hiddenLine xmlns="" xmlns:a14="http://schemas.microsoft.com/office/drawing/2010/main" w="9525">
                   <a:solidFill>
                     <a:srgbClr val="000000"/>
                   </a:solidFill>
@@ -2435,7 +2448,7 @@
             </a:ln>
             <a:extLst>
               <a:ext uri="{91240B29-F687-4f45-9708-019B960494DF}">
-                <a14:hiddenLine xmlns:a14="http://schemas.microsoft.com/office/drawing/2010/main" xmlns="" w="9525">
+                <a14:hiddenLine xmlns="" xmlns:a14="http://schemas.microsoft.com/office/drawing/2010/main" w="9525">
                   <a:solidFill>
                     <a:srgbClr val="000000"/>
                   </a:solidFill>
@@ -2497,7 +2510,7 @@
             </a:ln>
             <a:extLst>
               <a:ext uri="{91240B29-F687-4f45-9708-019B960494DF}">
-                <a14:hiddenLine xmlns:a14="http://schemas.microsoft.com/office/drawing/2010/main" xmlns="" w="9525">
+                <a14:hiddenLine xmlns="" xmlns:a14="http://schemas.microsoft.com/office/drawing/2010/main" w="9525">
                   <a:solidFill>
                     <a:srgbClr val="000000"/>
                   </a:solidFill>
@@ -2559,7 +2572,7 @@
             </a:ln>
             <a:extLst>
               <a:ext uri="{91240B29-F687-4f45-9708-019B960494DF}">
-                <a14:hiddenLine xmlns:a14="http://schemas.microsoft.com/office/drawing/2010/main" xmlns="" w="9525">
+                <a14:hiddenLine xmlns="" xmlns:a14="http://schemas.microsoft.com/office/drawing/2010/main" w="9525">
                   <a:solidFill>
                     <a:srgbClr val="000000"/>
                   </a:solidFill>
@@ -2649,7 +2662,7 @@
             </a:ln>
             <a:extLst>
               <a:ext uri="{91240B29-F687-4f45-9708-019B960494DF}">
-                <a14:hiddenLine xmlns:a14="http://schemas.microsoft.com/office/drawing/2010/main" xmlns="" w="9525">
+                <a14:hiddenLine xmlns="" xmlns:a14="http://schemas.microsoft.com/office/drawing/2010/main" w="9525">
                   <a:solidFill>
                     <a:srgbClr val="000000"/>
                   </a:solidFill>
@@ -2717,7 +2730,7 @@
             </a:ln>
             <a:extLst>
               <a:ext uri="{91240B29-F687-4f45-9708-019B960494DF}">
-                <a14:hiddenLine xmlns:a14="http://schemas.microsoft.com/office/drawing/2010/main" xmlns="" w="9525">
+                <a14:hiddenLine xmlns="" xmlns:a14="http://schemas.microsoft.com/office/drawing/2010/main" w="9525">
                   <a:solidFill>
                     <a:srgbClr val="000000"/>
                   </a:solidFill>
@@ -2779,7 +2792,7 @@
             </a:ln>
             <a:extLst>
               <a:ext uri="{91240B29-F687-4f45-9708-019B960494DF}">
-                <a14:hiddenLine xmlns:a14="http://schemas.microsoft.com/office/drawing/2010/main" xmlns="" w="9525">
+                <a14:hiddenLine xmlns="" xmlns:a14="http://schemas.microsoft.com/office/drawing/2010/main" w="9525">
                   <a:solidFill>
                     <a:srgbClr val="000000"/>
                   </a:solidFill>
@@ -2869,7 +2882,7 @@
             </a:ln>
             <a:extLst>
               <a:ext uri="{91240B29-F687-4f45-9708-019B960494DF}">
-                <a14:hiddenLine xmlns:a14="http://schemas.microsoft.com/office/drawing/2010/main" xmlns="" w="9525">
+                <a14:hiddenLine xmlns="" xmlns:a14="http://schemas.microsoft.com/office/drawing/2010/main" w="9525">
                   <a:solidFill>
                     <a:srgbClr val="000000"/>
                   </a:solidFill>
@@ -2931,7 +2944,7 @@
             </a:ln>
             <a:extLst>
               <a:ext uri="{91240B29-F687-4f45-9708-019B960494DF}">
-                <a14:hiddenLine xmlns:a14="http://schemas.microsoft.com/office/drawing/2010/main" xmlns="" w="9525">
+                <a14:hiddenLine xmlns="" xmlns:a14="http://schemas.microsoft.com/office/drawing/2010/main" w="9525">
                   <a:solidFill>
                     <a:srgbClr val="000000"/>
                   </a:solidFill>
@@ -3021,7 +3034,7 @@
             </a:ln>
             <a:extLst>
               <a:ext uri="{91240B29-F687-4f45-9708-019B960494DF}">
-                <a14:hiddenLine xmlns:a14="http://schemas.microsoft.com/office/drawing/2010/main" xmlns="" w="9525">
+                <a14:hiddenLine xmlns="" xmlns:a14="http://schemas.microsoft.com/office/drawing/2010/main" w="9525">
                   <a:solidFill>
                     <a:srgbClr val="000000"/>
                   </a:solidFill>
@@ -3083,7 +3096,7 @@
             </a:ln>
             <a:extLst>
               <a:ext uri="{91240B29-F687-4f45-9708-019B960494DF}">
-                <a14:hiddenLine xmlns:a14="http://schemas.microsoft.com/office/drawing/2010/main" xmlns="" w="9525">
+                <a14:hiddenLine xmlns="" xmlns:a14="http://schemas.microsoft.com/office/drawing/2010/main" w="9525">
                   <a:solidFill>
                     <a:srgbClr val="000000"/>
                   </a:solidFill>
@@ -3173,7 +3186,7 @@
             </a:ln>
             <a:extLst>
               <a:ext uri="{91240B29-F687-4f45-9708-019B960494DF}">
-                <a14:hiddenLine xmlns:a14="http://schemas.microsoft.com/office/drawing/2010/main" xmlns="" w="9525">
+                <a14:hiddenLine xmlns="" xmlns:a14="http://schemas.microsoft.com/office/drawing/2010/main" w="9525">
                   <a:solidFill>
                     <a:srgbClr val="000000"/>
                   </a:solidFill>
@@ -3207,7 +3220,7 @@
             </a:ln>
             <a:extLst>
               <a:ext uri="{91240B29-F687-4f45-9708-019B960494DF}">
-                <a14:hiddenLine xmlns:a14="http://schemas.microsoft.com/office/drawing/2010/main" xmlns="" w="9525">
+                <a14:hiddenLine xmlns="" xmlns:a14="http://schemas.microsoft.com/office/drawing/2010/main" w="9525">
                   <a:solidFill>
                     <a:srgbClr val="000000"/>
                   </a:solidFill>
@@ -3272,7 +3285,7 @@
             </a:ln>
             <a:extLst>
               <a:ext uri="{91240B29-F687-4f45-9708-019B960494DF}">
-                <a14:hiddenLine xmlns:a14="http://schemas.microsoft.com/office/drawing/2010/main" xmlns="" w="9525">
+                <a14:hiddenLine xmlns="" xmlns:a14="http://schemas.microsoft.com/office/drawing/2010/main" w="9525">
                   <a:solidFill>
                     <a:srgbClr val="000000"/>
                   </a:solidFill>
@@ -3362,7 +3375,7 @@
             </a:ln>
             <a:extLst>
               <a:ext uri="{91240B29-F687-4f45-9708-019B960494DF}">
-                <a14:hiddenLine xmlns:a14="http://schemas.microsoft.com/office/drawing/2010/main" xmlns="" w="9525">
+                <a14:hiddenLine xmlns="" xmlns:a14="http://schemas.microsoft.com/office/drawing/2010/main" w="9525">
                   <a:solidFill>
                     <a:srgbClr val="000000"/>
                   </a:solidFill>
@@ -3424,7 +3437,7 @@
             </a:ln>
             <a:extLst>
               <a:ext uri="{91240B29-F687-4f45-9708-019B960494DF}">
-                <a14:hiddenLine xmlns:a14="http://schemas.microsoft.com/office/drawing/2010/main" xmlns="" w="9525">
+                <a14:hiddenLine xmlns="" xmlns:a14="http://schemas.microsoft.com/office/drawing/2010/main" w="9525">
                   <a:solidFill>
                     <a:srgbClr val="000000"/>
                   </a:solidFill>
@@ -3514,7 +3527,7 @@
             </a:ln>
             <a:extLst>
               <a:ext uri="{91240B29-F687-4f45-9708-019B960494DF}">
-                <a14:hiddenLine xmlns:a14="http://schemas.microsoft.com/office/drawing/2010/main" xmlns="" w="9525">
+                <a14:hiddenLine xmlns="" xmlns:a14="http://schemas.microsoft.com/office/drawing/2010/main" w="9525">
                   <a:solidFill>
                     <a:srgbClr val="000000"/>
                   </a:solidFill>
@@ -3604,7 +3617,7 @@
             </a:ln>
             <a:extLst>
               <a:ext uri="{91240B29-F687-4f45-9708-019B960494DF}">
-                <a14:hiddenLine xmlns:a14="http://schemas.microsoft.com/office/drawing/2010/main" xmlns="" w="9525">
+                <a14:hiddenLine xmlns="" xmlns:a14="http://schemas.microsoft.com/office/drawing/2010/main" w="9525">
                   <a:solidFill>
                     <a:srgbClr val="000000"/>
                   </a:solidFill>
@@ -3669,7 +3682,7 @@
             </a:ln>
             <a:extLst>
               <a:ext uri="{91240B29-F687-4f45-9708-019B960494DF}">
-                <a14:hiddenLine xmlns:a14="http://schemas.microsoft.com/office/drawing/2010/main" xmlns="" w="9525">
+                <a14:hiddenLine xmlns="" xmlns:a14="http://schemas.microsoft.com/office/drawing/2010/main" w="9525">
                   <a:solidFill>
                     <a:srgbClr val="000000"/>
                   </a:solidFill>
@@ -3731,7 +3744,7 @@
             </a:ln>
             <a:extLst>
               <a:ext uri="{91240B29-F687-4f45-9708-019B960494DF}">
-                <a14:hiddenLine xmlns:a14="http://schemas.microsoft.com/office/drawing/2010/main" xmlns="" w="9525">
+                <a14:hiddenLine xmlns="" xmlns:a14="http://schemas.microsoft.com/office/drawing/2010/main" w="9525">
                   <a:solidFill>
                     <a:srgbClr val="000000"/>
                   </a:solidFill>
@@ -3821,7 +3834,7 @@
             </a:ln>
             <a:extLst>
               <a:ext uri="{91240B29-F687-4f45-9708-019B960494DF}">
-                <a14:hiddenLine xmlns:a14="http://schemas.microsoft.com/office/drawing/2010/main" xmlns="" w="9525">
+                <a14:hiddenLine xmlns="" xmlns:a14="http://schemas.microsoft.com/office/drawing/2010/main" w="9525">
                   <a:solidFill>
                     <a:srgbClr val="000000"/>
                   </a:solidFill>
@@ -3911,7 +3924,7 @@
             </a:ln>
             <a:extLst>
               <a:ext uri="{91240B29-F687-4f45-9708-019B960494DF}">
-                <a14:hiddenLine xmlns:a14="http://schemas.microsoft.com/office/drawing/2010/main" xmlns="" w="9525">
+                <a14:hiddenLine xmlns="" xmlns:a14="http://schemas.microsoft.com/office/drawing/2010/main" w="9525">
                   <a:solidFill>
                     <a:srgbClr val="000000"/>
                   </a:solidFill>
@@ -3973,7 +3986,7 @@
             </a:ln>
             <a:extLst>
               <a:ext uri="{91240B29-F687-4f45-9708-019B960494DF}">
-                <a14:hiddenLine xmlns:a14="http://schemas.microsoft.com/office/drawing/2010/main" xmlns="" w="9525">
+                <a14:hiddenLine xmlns="" xmlns:a14="http://schemas.microsoft.com/office/drawing/2010/main" w="9525">
                   <a:solidFill>
                     <a:srgbClr val="000000"/>
                   </a:solidFill>
@@ -4093,7 +4106,7 @@
             </a:ln>
             <a:extLst>
               <a:ext uri="{91240B29-F687-4f45-9708-019B960494DF}">
-                <a14:hiddenLine xmlns:a14="http://schemas.microsoft.com/office/drawing/2010/main" xmlns="" w="9525">
+                <a14:hiddenLine xmlns="" xmlns:a14="http://schemas.microsoft.com/office/drawing/2010/main" w="9525">
                   <a:solidFill>
                     <a:srgbClr val="000000"/>
                   </a:solidFill>
@@ -4161,7 +4174,7 @@
             </a:ln>
             <a:extLst>
               <a:ext uri="{91240B29-F687-4f45-9708-019B960494DF}">
-                <a14:hiddenLine xmlns:a14="http://schemas.microsoft.com/office/drawing/2010/main" xmlns="" w="9525">
+                <a14:hiddenLine xmlns="" xmlns:a14="http://schemas.microsoft.com/office/drawing/2010/main" w="9525">
                   <a:solidFill>
                     <a:srgbClr val="000000"/>
                   </a:solidFill>
@@ -4251,7 +4264,7 @@
             </a:ln>
             <a:extLst>
               <a:ext uri="{91240B29-F687-4f45-9708-019B960494DF}">
-                <a14:hiddenLine xmlns:a14="http://schemas.microsoft.com/office/drawing/2010/main" xmlns="" w="9525">
+                <a14:hiddenLine xmlns="" xmlns:a14="http://schemas.microsoft.com/office/drawing/2010/main" w="9525">
                   <a:solidFill>
                     <a:srgbClr val="000000"/>
                   </a:solidFill>
@@ -9058,7 +9071,7 @@
           <a:noFill/>
           <a:extLst>
             <a:ext uri="{909E8E84-426E-40dd-AFC4-6F175D3DCCD1}">
-              <a14:hiddenFill xmlns:a14="http://schemas.microsoft.com/office/drawing/2010/main" xmlns="">
+              <a14:hiddenFill xmlns="" xmlns:a14="http://schemas.microsoft.com/office/drawing/2010/main">
                 <a:solidFill>
                   <a:srgbClr val="FFFFFF"/>
                 </a:solidFill>
@@ -9132,7 +9145,7 @@
               </a:ln>
               <a:extLst>
                 <a:ext uri="{91240B29-F687-4f45-9708-019B960494DF}">
-                  <a14:hiddenLine xmlns:a14="http://schemas.microsoft.com/office/drawing/2010/main" xmlns="" w="9525">
+                  <a14:hiddenLine xmlns="" xmlns:a14="http://schemas.microsoft.com/office/drawing/2010/main" w="9525">
                     <a:solidFill>
                       <a:srgbClr val="000000"/>
                     </a:solidFill>
@@ -9222,7 +9235,7 @@
               </a:ln>
               <a:extLst>
                 <a:ext uri="{91240B29-F687-4f45-9708-019B960494DF}">
-                  <a14:hiddenLine xmlns:a14="http://schemas.microsoft.com/office/drawing/2010/main" xmlns="" w="9525">
+                  <a14:hiddenLine xmlns="" xmlns:a14="http://schemas.microsoft.com/office/drawing/2010/main" w="9525">
                     <a:solidFill>
                       <a:srgbClr val="000000"/>
                     </a:solidFill>
@@ -9312,7 +9325,7 @@
               </a:ln>
               <a:extLst>
                 <a:ext uri="{91240B29-F687-4f45-9708-019B960494DF}">
-                  <a14:hiddenLine xmlns:a14="http://schemas.microsoft.com/office/drawing/2010/main" xmlns="" w="9525">
+                  <a14:hiddenLine xmlns="" xmlns:a14="http://schemas.microsoft.com/office/drawing/2010/main" w="9525">
                     <a:solidFill>
                       <a:srgbClr val="000000"/>
                     </a:solidFill>
@@ -9374,7 +9387,7 @@
               </a:ln>
               <a:extLst>
                 <a:ext uri="{91240B29-F687-4f45-9708-019B960494DF}">
-                  <a14:hiddenLine xmlns:a14="http://schemas.microsoft.com/office/drawing/2010/main" xmlns="" w="9525">
+                  <a14:hiddenLine xmlns="" xmlns:a14="http://schemas.microsoft.com/office/drawing/2010/main" w="9525">
                     <a:solidFill>
                       <a:srgbClr val="000000"/>
                     </a:solidFill>
@@ -9464,7 +9477,7 @@
               </a:ln>
               <a:extLst>
                 <a:ext uri="{91240B29-F687-4f45-9708-019B960494DF}">
-                  <a14:hiddenLine xmlns:a14="http://schemas.microsoft.com/office/drawing/2010/main" xmlns="" w="9525">
+                  <a14:hiddenLine xmlns="" xmlns:a14="http://schemas.microsoft.com/office/drawing/2010/main" w="9525">
                     <a:solidFill>
                       <a:srgbClr val="000000"/>
                     </a:solidFill>
@@ -9526,7 +9539,7 @@
               </a:ln>
               <a:extLst>
                 <a:ext uri="{91240B29-F687-4f45-9708-019B960494DF}">
-                  <a14:hiddenLine xmlns:a14="http://schemas.microsoft.com/office/drawing/2010/main" xmlns="" w="9525">
+                  <a14:hiddenLine xmlns="" xmlns:a14="http://schemas.microsoft.com/office/drawing/2010/main" w="9525">
                     <a:solidFill>
                       <a:srgbClr val="000000"/>
                     </a:solidFill>
@@ -9588,7 +9601,7 @@
               </a:ln>
               <a:extLst>
                 <a:ext uri="{91240B29-F687-4f45-9708-019B960494DF}">
-                  <a14:hiddenLine xmlns:a14="http://schemas.microsoft.com/office/drawing/2010/main" xmlns="" w="9525">
+                  <a14:hiddenLine xmlns="" xmlns:a14="http://schemas.microsoft.com/office/drawing/2010/main" w="9525">
                     <a:solidFill>
                       <a:srgbClr val="000000"/>
                     </a:solidFill>
@@ -9678,7 +9691,7 @@
               </a:ln>
               <a:extLst>
                 <a:ext uri="{91240B29-F687-4f45-9708-019B960494DF}">
-                  <a14:hiddenLine xmlns:a14="http://schemas.microsoft.com/office/drawing/2010/main" xmlns="" w="9525">
+                  <a14:hiddenLine xmlns="" xmlns:a14="http://schemas.microsoft.com/office/drawing/2010/main" w="9525">
                     <a:solidFill>
                       <a:srgbClr val="000000"/>
                     </a:solidFill>
@@ -9768,7 +9781,7 @@
               </a:ln>
               <a:extLst>
                 <a:ext uri="{91240B29-F687-4f45-9708-019B960494DF}">
-                  <a14:hiddenLine xmlns:a14="http://schemas.microsoft.com/office/drawing/2010/main" xmlns="" w="9525">
+                  <a14:hiddenLine xmlns="" xmlns:a14="http://schemas.microsoft.com/office/drawing/2010/main" w="9525">
                     <a:solidFill>
                       <a:srgbClr val="000000"/>
                     </a:solidFill>
@@ -9830,7 +9843,7 @@
               </a:ln>
               <a:extLst>
                 <a:ext uri="{91240B29-F687-4f45-9708-019B960494DF}">
-                  <a14:hiddenLine xmlns:a14="http://schemas.microsoft.com/office/drawing/2010/main" xmlns="" w="9525">
+                  <a14:hiddenLine xmlns="" xmlns:a14="http://schemas.microsoft.com/office/drawing/2010/main" w="9525">
                     <a:solidFill>
                       <a:srgbClr val="000000"/>
                     </a:solidFill>
@@ -9940,7 +9953,7 @@
               </a:ln>
               <a:extLst>
                 <a:ext uri="{91240B29-F687-4f45-9708-019B960494DF}">
-                  <a14:hiddenLine xmlns:a14="http://schemas.microsoft.com/office/drawing/2010/main" xmlns="" w="9525">
+                  <a14:hiddenLine xmlns="" xmlns:a14="http://schemas.microsoft.com/office/drawing/2010/main" w="9525">
                     <a:solidFill>
                       <a:srgbClr val="000000"/>
                     </a:solidFill>
@@ -10024,7 +10037,7 @@
               </a:ln>
               <a:extLst>
                 <a:ext uri="{91240B29-F687-4f45-9708-019B960494DF}">
-                  <a14:hiddenLine xmlns:a14="http://schemas.microsoft.com/office/drawing/2010/main" xmlns="" w="9525">
+                  <a14:hiddenLine xmlns="" xmlns:a14="http://schemas.microsoft.com/office/drawing/2010/main" w="9525">
                     <a:solidFill>
                       <a:srgbClr val="000000"/>
                     </a:solidFill>
@@ -10086,7 +10099,7 @@
               </a:ln>
               <a:extLst>
                 <a:ext uri="{91240B29-F687-4f45-9708-019B960494DF}">
-                  <a14:hiddenLine xmlns:a14="http://schemas.microsoft.com/office/drawing/2010/main" xmlns="" w="9525">
+                  <a14:hiddenLine xmlns="" xmlns:a14="http://schemas.microsoft.com/office/drawing/2010/main" w="9525">
                     <a:solidFill>
                       <a:srgbClr val="000000"/>
                     </a:solidFill>
@@ -10148,7 +10161,7 @@
               </a:ln>
               <a:extLst>
                 <a:ext uri="{91240B29-F687-4f45-9708-019B960494DF}">
-                  <a14:hiddenLine xmlns:a14="http://schemas.microsoft.com/office/drawing/2010/main" xmlns="" w="9525">
+                  <a14:hiddenLine xmlns="" xmlns:a14="http://schemas.microsoft.com/office/drawing/2010/main" w="9525">
                     <a:solidFill>
                       <a:srgbClr val="000000"/>
                     </a:solidFill>
@@ -10238,7 +10251,7 @@
               </a:ln>
               <a:extLst>
                 <a:ext uri="{91240B29-F687-4f45-9708-019B960494DF}">
-                  <a14:hiddenLine xmlns:a14="http://schemas.microsoft.com/office/drawing/2010/main" xmlns="" w="9525">
+                  <a14:hiddenLine xmlns="" xmlns:a14="http://schemas.microsoft.com/office/drawing/2010/main" w="9525">
                     <a:solidFill>
                       <a:srgbClr val="000000"/>
                     </a:solidFill>
@@ -10272,7 +10285,7 @@
               </a:ln>
               <a:extLst>
                 <a:ext uri="{91240B29-F687-4f45-9708-019B960494DF}">
-                  <a14:hiddenLine xmlns:a14="http://schemas.microsoft.com/office/drawing/2010/main" xmlns="" w="9525">
+                  <a14:hiddenLine xmlns="" xmlns:a14="http://schemas.microsoft.com/office/drawing/2010/main" w="9525">
                     <a:solidFill>
                       <a:srgbClr val="000000"/>
                     </a:solidFill>
@@ -10337,7 +10350,7 @@
               </a:ln>
               <a:extLst>
                 <a:ext uri="{91240B29-F687-4f45-9708-019B960494DF}">
-                  <a14:hiddenLine xmlns:a14="http://schemas.microsoft.com/office/drawing/2010/main" xmlns="" w="9525">
+                  <a14:hiddenLine xmlns="" xmlns:a14="http://schemas.microsoft.com/office/drawing/2010/main" w="9525">
                     <a:solidFill>
                       <a:srgbClr val="000000"/>
                     </a:solidFill>
@@ -10427,7 +10440,7 @@
               </a:ln>
               <a:extLst>
                 <a:ext uri="{91240B29-F687-4f45-9708-019B960494DF}">
-                  <a14:hiddenLine xmlns:a14="http://schemas.microsoft.com/office/drawing/2010/main" xmlns="" w="9525">
+                  <a14:hiddenLine xmlns="" xmlns:a14="http://schemas.microsoft.com/office/drawing/2010/main" w="9525">
                     <a:solidFill>
                       <a:srgbClr val="000000"/>
                     </a:solidFill>
@@ -10489,7 +10502,7 @@
               </a:ln>
               <a:extLst>
                 <a:ext uri="{91240B29-F687-4f45-9708-019B960494DF}">
-                  <a14:hiddenLine xmlns:a14="http://schemas.microsoft.com/office/drawing/2010/main" xmlns="" w="9525">
+                  <a14:hiddenLine xmlns="" xmlns:a14="http://schemas.microsoft.com/office/drawing/2010/main" w="9525">
                     <a:solidFill>
                       <a:srgbClr val="000000"/>
                     </a:solidFill>
@@ -10579,7 +10592,7 @@
               </a:ln>
               <a:extLst>
                 <a:ext uri="{91240B29-F687-4f45-9708-019B960494DF}">
-                  <a14:hiddenLine xmlns:a14="http://schemas.microsoft.com/office/drawing/2010/main" xmlns="" w="9525">
+                  <a14:hiddenLine xmlns="" xmlns:a14="http://schemas.microsoft.com/office/drawing/2010/main" w="9525">
                     <a:solidFill>
                       <a:srgbClr val="000000"/>
                     </a:solidFill>
@@ -10644,7 +10657,7 @@
               </a:ln>
               <a:extLst>
                 <a:ext uri="{91240B29-F687-4f45-9708-019B960494DF}">
-                  <a14:hiddenLine xmlns:a14="http://schemas.microsoft.com/office/drawing/2010/main" xmlns="" w="9525">
+                  <a14:hiddenLine xmlns="" xmlns:a14="http://schemas.microsoft.com/office/drawing/2010/main" w="9525">
                     <a:solidFill>
                       <a:srgbClr val="000000"/>
                     </a:solidFill>
@@ -10706,7 +10719,7 @@
               </a:ln>
               <a:extLst>
                 <a:ext uri="{91240B29-F687-4f45-9708-019B960494DF}">
-                  <a14:hiddenLine xmlns:a14="http://schemas.microsoft.com/office/drawing/2010/main" xmlns="" w="9525">
+                  <a14:hiddenLine xmlns="" xmlns:a14="http://schemas.microsoft.com/office/drawing/2010/main" w="9525">
                     <a:solidFill>
                       <a:srgbClr val="000000"/>
                     </a:solidFill>
@@ -10796,7 +10809,7 @@
               </a:ln>
               <a:extLst>
                 <a:ext uri="{91240B29-F687-4f45-9708-019B960494DF}">
-                  <a14:hiddenLine xmlns:a14="http://schemas.microsoft.com/office/drawing/2010/main" xmlns="" w="9525">
+                  <a14:hiddenLine xmlns="" xmlns:a14="http://schemas.microsoft.com/office/drawing/2010/main" w="9525">
                     <a:solidFill>
                       <a:srgbClr val="000000"/>
                     </a:solidFill>
@@ -10886,7 +10899,7 @@
               </a:ln>
               <a:extLst>
                 <a:ext uri="{91240B29-F687-4f45-9708-019B960494DF}">
-                  <a14:hiddenLine xmlns:a14="http://schemas.microsoft.com/office/drawing/2010/main" xmlns="" w="9525">
+                  <a14:hiddenLine xmlns="" xmlns:a14="http://schemas.microsoft.com/office/drawing/2010/main" w="9525">
                     <a:solidFill>
                       <a:srgbClr val="000000"/>
                     </a:solidFill>
@@ -10951,7 +10964,7 @@
               </a:ln>
               <a:extLst>
                 <a:ext uri="{91240B29-F687-4f45-9708-019B960494DF}">
-                  <a14:hiddenLine xmlns:a14="http://schemas.microsoft.com/office/drawing/2010/main" xmlns="" w="9525">
+                  <a14:hiddenLine xmlns="" xmlns:a14="http://schemas.microsoft.com/office/drawing/2010/main" w="9525">
                     <a:solidFill>
                       <a:srgbClr val="000000"/>
                     </a:solidFill>
@@ -11071,7 +11084,7 @@
               </a:ln>
               <a:extLst>
                 <a:ext uri="{91240B29-F687-4f45-9708-019B960494DF}">
-                  <a14:hiddenLine xmlns:a14="http://schemas.microsoft.com/office/drawing/2010/main" xmlns="" w="9525">
+                  <a14:hiddenLine xmlns="" xmlns:a14="http://schemas.microsoft.com/office/drawing/2010/main" w="9525">
                     <a:solidFill>
                       <a:srgbClr val="000000"/>
                     </a:solidFill>
@@ -11169,7 +11182,7 @@
               </a:ln>
               <a:extLst>
                 <a:ext uri="{91240B29-F687-4f45-9708-019B960494DF}">
-                  <a14:hiddenLine xmlns:a14="http://schemas.microsoft.com/office/drawing/2010/main" xmlns="" w="9525">
+                  <a14:hiddenLine xmlns="" xmlns:a14="http://schemas.microsoft.com/office/drawing/2010/main" w="9525">
                     <a:solidFill>
                       <a:srgbClr val="000000"/>
                     </a:solidFill>
@@ -11284,7 +11297,7 @@
               </a:ln>
               <a:extLst>
                 <a:ext uri="{91240B29-F687-4f45-9708-019B960494DF}">
-                  <a14:hiddenLine xmlns:a14="http://schemas.microsoft.com/office/drawing/2010/main" xmlns="" w="9525">
+                  <a14:hiddenLine xmlns="" xmlns:a14="http://schemas.microsoft.com/office/drawing/2010/main" w="9525">
                     <a:solidFill>
                       <a:srgbClr val="000000"/>
                     </a:solidFill>
@@ -11374,7 +11387,7 @@
               </a:ln>
               <a:extLst>
                 <a:ext uri="{91240B29-F687-4f45-9708-019B960494DF}">
-                  <a14:hiddenLine xmlns:a14="http://schemas.microsoft.com/office/drawing/2010/main" xmlns="" w="9525">
+                  <a14:hiddenLine xmlns="" xmlns:a14="http://schemas.microsoft.com/office/drawing/2010/main" w="9525">
                     <a:solidFill>
                       <a:srgbClr val="000000"/>
                     </a:solidFill>
@@ -11439,7 +11452,7 @@
               </a:ln>
               <a:extLst>
                 <a:ext uri="{91240B29-F687-4f45-9708-019B960494DF}">
-                  <a14:hiddenLine xmlns:a14="http://schemas.microsoft.com/office/drawing/2010/main" xmlns="" w="9525">
+                  <a14:hiddenLine xmlns="" xmlns:a14="http://schemas.microsoft.com/office/drawing/2010/main" w="9525">
                     <a:solidFill>
                       <a:srgbClr val="000000"/>
                     </a:solidFill>
@@ -11529,7 +11542,7 @@
               </a:ln>
               <a:extLst>
                 <a:ext uri="{91240B29-F687-4f45-9708-019B960494DF}">
-                  <a14:hiddenLine xmlns:a14="http://schemas.microsoft.com/office/drawing/2010/main" xmlns="" w="9525">
+                  <a14:hiddenLine xmlns="" xmlns:a14="http://schemas.microsoft.com/office/drawing/2010/main" w="9525">
                     <a:solidFill>
                       <a:srgbClr val="000000"/>
                     </a:solidFill>
@@ -11597,7 +11610,7 @@
               </a:ln>
               <a:extLst>
                 <a:ext uri="{91240B29-F687-4f45-9708-019B960494DF}">
-                  <a14:hiddenLine xmlns:a14="http://schemas.microsoft.com/office/drawing/2010/main" xmlns="" w="9525">
+                  <a14:hiddenLine xmlns="" xmlns:a14="http://schemas.microsoft.com/office/drawing/2010/main" w="9525">
                     <a:solidFill>
                       <a:srgbClr val="000000"/>
                     </a:solidFill>
@@ -11687,7 +11700,7 @@
               </a:ln>
               <a:extLst>
                 <a:ext uri="{91240B29-F687-4f45-9708-019B960494DF}">
-                  <a14:hiddenLine xmlns:a14="http://schemas.microsoft.com/office/drawing/2010/main" xmlns="" w="9525">
+                  <a14:hiddenLine xmlns="" xmlns:a14="http://schemas.microsoft.com/office/drawing/2010/main" w="9525">
                     <a:solidFill>
                       <a:srgbClr val="000000"/>
                     </a:solidFill>
@@ -11755,7 +11768,7 @@
               </a:ln>
               <a:extLst>
                 <a:ext uri="{91240B29-F687-4f45-9708-019B960494DF}">
-                  <a14:hiddenLine xmlns:a14="http://schemas.microsoft.com/office/drawing/2010/main" xmlns="" w="9525">
+                  <a14:hiddenLine xmlns="" xmlns:a14="http://schemas.microsoft.com/office/drawing/2010/main" w="9525">
                     <a:solidFill>
                       <a:srgbClr val="000000"/>
                     </a:solidFill>
@@ -11845,7 +11858,7 @@
               </a:ln>
               <a:extLst>
                 <a:ext uri="{91240B29-F687-4f45-9708-019B960494DF}">
-                  <a14:hiddenLine xmlns:a14="http://schemas.microsoft.com/office/drawing/2010/main" xmlns="" w="9525">
+                  <a14:hiddenLine xmlns="" xmlns:a14="http://schemas.microsoft.com/office/drawing/2010/main" w="9525">
                     <a:solidFill>
                       <a:srgbClr val="000000"/>
                     </a:solidFill>
@@ -11879,7 +11892,7 @@
               </a:ln>
               <a:extLst>
                 <a:ext uri="{91240B29-F687-4f45-9708-019B960494DF}">
-                  <a14:hiddenLine xmlns:a14="http://schemas.microsoft.com/office/drawing/2010/main" xmlns="" w="9525">
+                  <a14:hiddenLine xmlns="" xmlns:a14="http://schemas.microsoft.com/office/drawing/2010/main" w="9525">
                     <a:solidFill>
                       <a:srgbClr val="000000"/>
                     </a:solidFill>
@@ -12574,6 +12587,1011 @@
 </p:sld>
 </file>
 
+<file path=ppt/slides/slide10.xml><?xml version="1.0" encoding="utf-8"?>
+<p:sld xmlns:a="http://schemas.openxmlformats.org/drawingml/2006/main" xmlns:r="http://schemas.openxmlformats.org/officeDocument/2006/relationships" xmlns:p="http://schemas.openxmlformats.org/presentationml/2006/main">
+  <p:cSld>
+    <p:spTree>
+      <p:nvGrpSpPr>
+        <p:cNvPr id="1" name=""/>
+        <p:cNvGrpSpPr/>
+        <p:nvPr/>
+      </p:nvGrpSpPr>
+      <p:grpSpPr>
+        <a:xfrm>
+          <a:off x="0" y="0"/>
+          <a:ext cx="0" cy="0"/>
+          <a:chOff x="0" y="0"/>
+          <a:chExt cx="0" cy="0"/>
+        </a:xfrm>
+      </p:grpSpPr>
+      <p:sp>
+        <p:nvSpPr>
+          <p:cNvPr id="2" name="Title 1"/>
+          <p:cNvSpPr>
+            <a:spLocks noGrp="1"/>
+          </p:cNvSpPr>
+          <p:nvPr>
+            <p:ph type="title"/>
+          </p:nvPr>
+        </p:nvSpPr>
+        <p:spPr/>
+        <p:txBody>
+          <a:bodyPr/>
+          <a:lstStyle/>
+          <a:p>
+            <a:r>
+              <a:rPr lang="sr-Latn-RS" dirty="0" smtClean="0"/>
+              <a:t>Optical flow</a:t>
+            </a:r>
+            <a:endParaRPr lang="sr-Latn-RS" dirty="0"/>
+          </a:p>
+        </p:txBody>
+      </p:sp>
+      <p:sp>
+        <p:nvSpPr>
+          <p:cNvPr id="3" name="Content Placeholder 2"/>
+          <p:cNvSpPr>
+            <a:spLocks noGrp="1"/>
+          </p:cNvSpPr>
+          <p:nvPr>
+            <p:ph idx="1"/>
+          </p:nvPr>
+        </p:nvSpPr>
+        <p:spPr>
+          <a:xfrm>
+            <a:off x="1141413" y="1826406"/>
+            <a:ext cx="9905999" cy="3541714"/>
+          </a:xfrm>
+        </p:spPr>
+        <p:txBody>
+          <a:bodyPr/>
+          <a:lstStyle/>
+          <a:p>
+            <a:r>
+              <a:rPr lang="sr-Latn-RS" dirty="0" smtClean="0"/>
+              <a:t>Drugi način rešavanja problema detekcije je upotreba metode optical flow.</a:t>
+            </a:r>
+          </a:p>
+          <a:p>
+            <a:r>
+              <a:rPr lang="sr-Latn-RS" dirty="0" smtClean="0"/>
+              <a:t>Optical flow predstavlja šablon za detekciju objekata na slici na osnovo njihovog kretan razlika između dva frejma.</a:t>
+            </a:r>
+          </a:p>
+          <a:p>
+            <a:r>
+              <a:rPr lang="sr-Latn-RS" dirty="0" smtClean="0"/>
+              <a:t>Koristi se 2D vektorski prostor gde svaki vektor ukazuje na kretanje tačke između prvog i drugog frejma</a:t>
+            </a:r>
+            <a:endParaRPr lang="sr-Latn-RS" dirty="0"/>
+          </a:p>
+        </p:txBody>
+      </p:sp>
+      <p:pic>
+        <p:nvPicPr>
+          <p:cNvPr id="4" name="Picture 3"/>
+          <p:cNvPicPr>
+            <a:picLocks noChangeAspect="1"/>
+          </p:cNvPicPr>
+          <p:nvPr/>
+        </p:nvPicPr>
+        <p:blipFill>
+          <a:blip r:embed="rId2"/>
+          <a:stretch>
+            <a:fillRect/>
+          </a:stretch>
+        </p:blipFill>
+        <p:spPr>
+          <a:xfrm>
+            <a:off x="1476802" y="4366208"/>
+            <a:ext cx="4953000" cy="2209800"/>
+          </a:xfrm>
+          <a:prstGeom prst="rect">
+            <a:avLst/>
+          </a:prstGeom>
+        </p:spPr>
+      </p:pic>
+    </p:spTree>
+    <p:extLst>
+      <p:ext uri="{BB962C8B-B14F-4D97-AF65-F5344CB8AC3E}">
+        <p14:creationId xmlns:p14="http://schemas.microsoft.com/office/powerpoint/2010/main" val="3438783889"/>
+      </p:ext>
+    </p:extLst>
+  </p:cSld>
+  <p:clrMapOvr>
+    <a:masterClrMapping/>
+  </p:clrMapOvr>
+</p:sld>
+</file>
+
+<file path=ppt/slides/slide11.xml><?xml version="1.0" encoding="utf-8"?>
+<p:sld xmlns:a="http://schemas.openxmlformats.org/drawingml/2006/main" xmlns:r="http://schemas.openxmlformats.org/officeDocument/2006/relationships" xmlns:p="http://schemas.openxmlformats.org/presentationml/2006/main">
+  <p:cSld>
+    <p:spTree>
+      <p:nvGrpSpPr>
+        <p:cNvPr id="1" name=""/>
+        <p:cNvGrpSpPr/>
+        <p:nvPr/>
+      </p:nvGrpSpPr>
+      <p:grpSpPr>
+        <a:xfrm>
+          <a:off x="0" y="0"/>
+          <a:ext cx="0" cy="0"/>
+          <a:chOff x="0" y="0"/>
+          <a:chExt cx="0" cy="0"/>
+        </a:xfrm>
+      </p:grpSpPr>
+      <p:sp>
+        <p:nvSpPr>
+          <p:cNvPr id="2" name="Title 1"/>
+          <p:cNvSpPr>
+            <a:spLocks noGrp="1"/>
+          </p:cNvSpPr>
+          <p:nvPr>
+            <p:ph type="title"/>
+          </p:nvPr>
+        </p:nvSpPr>
+        <p:spPr/>
+        <p:txBody>
+          <a:bodyPr/>
+          <a:lstStyle/>
+          <a:p>
+            <a:r>
+              <a:rPr lang="sr-Latn-RS" dirty="0" smtClean="0"/>
+              <a:t>Optical flow - </a:t>
+            </a:r>
+            <a:r>
+              <a:rPr lang="sr-Latn-RS" dirty="0"/>
+              <a:t>Gunner Farneback</a:t>
+            </a:r>
+            <a:endParaRPr lang="sr-Latn-RS" dirty="0"/>
+          </a:p>
+        </p:txBody>
+      </p:sp>
+      <p:sp>
+        <p:nvSpPr>
+          <p:cNvPr id="3" name="Content Placeholder 2"/>
+          <p:cNvSpPr>
+            <a:spLocks noGrp="1"/>
+          </p:cNvSpPr>
+          <p:nvPr>
+            <p:ph idx="1"/>
+          </p:nvPr>
+        </p:nvSpPr>
+        <p:spPr/>
+        <p:txBody>
+          <a:bodyPr/>
+          <a:lstStyle/>
+          <a:p>
+            <a:r>
+              <a:rPr lang="sr-Latn-RS" dirty="0"/>
+              <a:t>Gunner </a:t>
+            </a:r>
+            <a:r>
+              <a:rPr lang="sr-Latn-RS" dirty="0" smtClean="0"/>
+              <a:t>Farneback je razvio jedan od konkretnih implementacija šablona optical flow.</a:t>
+            </a:r>
+          </a:p>
+          <a:p>
+            <a:endParaRPr lang="sr-Latn-RS" dirty="0"/>
+          </a:p>
+        </p:txBody>
+      </p:sp>
+    </p:spTree>
+    <p:extLst>
+      <p:ext uri="{BB962C8B-B14F-4D97-AF65-F5344CB8AC3E}">
+        <p14:creationId xmlns:p14="http://schemas.microsoft.com/office/powerpoint/2010/main" val="1758496083"/>
+      </p:ext>
+    </p:extLst>
+  </p:cSld>
+  <p:clrMapOvr>
+    <a:masterClrMapping/>
+  </p:clrMapOvr>
+</p:sld>
+</file>
+
+<file path=ppt/slides/slide12.xml><?xml version="1.0" encoding="utf-8"?>
+<p:sld xmlns:a="http://schemas.openxmlformats.org/drawingml/2006/main" xmlns:r="http://schemas.openxmlformats.org/officeDocument/2006/relationships" xmlns:p="http://schemas.openxmlformats.org/presentationml/2006/main">
+  <p:cSld>
+    <p:spTree>
+      <p:nvGrpSpPr>
+        <p:cNvPr id="1" name=""/>
+        <p:cNvGrpSpPr/>
+        <p:nvPr/>
+      </p:nvGrpSpPr>
+      <p:grpSpPr>
+        <a:xfrm>
+          <a:off x="0" y="0"/>
+          <a:ext cx="0" cy="0"/>
+          <a:chOff x="0" y="0"/>
+          <a:chExt cx="0" cy="0"/>
+        </a:xfrm>
+      </p:grpSpPr>
+      <p:sp>
+        <p:nvSpPr>
+          <p:cNvPr id="2" name="Title 1"/>
+          <p:cNvSpPr>
+            <a:spLocks noGrp="1"/>
+          </p:cNvSpPr>
+          <p:nvPr>
+            <p:ph type="title"/>
+          </p:nvPr>
+        </p:nvSpPr>
+        <p:spPr/>
+        <p:txBody>
+          <a:bodyPr/>
+          <a:lstStyle/>
+          <a:p>
+            <a:r>
+              <a:rPr lang="sr-Latn-RS" dirty="0"/>
+              <a:t>Optical flow - Gunner Farneback</a:t>
+            </a:r>
+          </a:p>
+        </p:txBody>
+      </p:sp>
+      <p:pic>
+        <p:nvPicPr>
+          <p:cNvPr id="4" name="Content Placeholder 3"/>
+          <p:cNvPicPr>
+            <a:picLocks noGrp="1" noChangeAspect="1"/>
+          </p:cNvPicPr>
+          <p:nvPr>
+            <p:ph idx="1"/>
+          </p:nvPr>
+        </p:nvPicPr>
+        <p:blipFill>
+          <a:blip r:embed="rId2"/>
+          <a:stretch>
+            <a:fillRect/>
+          </a:stretch>
+        </p:blipFill>
+        <p:spPr>
+          <a:xfrm>
+            <a:off x="1141413" y="2300584"/>
+            <a:ext cx="4305300" cy="2647950"/>
+          </a:xfrm>
+          <a:prstGeom prst="rect">
+            <a:avLst/>
+          </a:prstGeom>
+        </p:spPr>
+      </p:pic>
+      <p:pic>
+        <p:nvPicPr>
+          <p:cNvPr id="5" name="Picture 4"/>
+          <p:cNvPicPr>
+            <a:picLocks noChangeAspect="1"/>
+          </p:cNvPicPr>
+          <p:nvPr/>
+        </p:nvPicPr>
+        <p:blipFill>
+          <a:blip r:embed="rId3"/>
+          <a:stretch>
+            <a:fillRect/>
+          </a:stretch>
+        </p:blipFill>
+        <p:spPr>
+          <a:xfrm>
+            <a:off x="6742111" y="2310109"/>
+            <a:ext cx="4305300" cy="2638425"/>
+          </a:xfrm>
+          <a:prstGeom prst="rect">
+            <a:avLst/>
+          </a:prstGeom>
+        </p:spPr>
+      </p:pic>
+      <p:sp>
+        <p:nvSpPr>
+          <p:cNvPr id="6" name="TextBox 5"/>
+          <p:cNvSpPr txBox="1"/>
+          <p:nvPr/>
+        </p:nvSpPr>
+        <p:spPr>
+          <a:xfrm>
+            <a:off x="1141413" y="5268036"/>
+            <a:ext cx="10361554" cy="1477328"/>
+          </a:xfrm>
+          <a:prstGeom prst="rect">
+            <a:avLst/>
+          </a:prstGeom>
+          <a:noFill/>
+        </p:spPr>
+        <p:txBody>
+          <a:bodyPr wrap="none" rtlCol="0">
+            <a:spAutoFit/>
+          </a:bodyPr>
+          <a:lstStyle/>
+          <a:p>
+            <a:r>
+              <a:rPr lang="sr-Latn-RS" dirty="0" smtClean="0"/>
+              <a:t>Primenom </a:t>
+            </a:r>
+            <a:r>
+              <a:rPr lang="sr-Latn-RS" dirty="0"/>
+              <a:t>Gunner </a:t>
+            </a:r>
+            <a:r>
+              <a:rPr lang="sr-Latn-RS" dirty="0" smtClean="0"/>
+              <a:t>Farneback-ove metode, slika sa leve strane se transofmiše u sliku sa desne strane. Treba </a:t>
+            </a:r>
+          </a:p>
+          <a:p>
+            <a:r>
+              <a:rPr lang="sr-Latn-RS" dirty="0" smtClean="0"/>
+              <a:t>napomenuti da je desna slika dobijena odgovarajućim transformacijama dva susedna frejma koja su u oku </a:t>
+            </a:r>
+          </a:p>
+          <a:p>
+            <a:r>
+              <a:rPr lang="sr-Latn-RS" dirty="0" smtClean="0"/>
+              <a:t>posmatrača ista levoj slici. Nad rezultatuom </a:t>
+            </a:r>
+            <a:r>
+              <a:rPr lang="sr-Latn-RS" dirty="0"/>
+              <a:t>Gunner </a:t>
+            </a:r>
+            <a:r>
+              <a:rPr lang="sr-Latn-RS" dirty="0" smtClean="0"/>
+              <a:t>Farneback-ove metode su izvršene dodatne operacije</a:t>
+            </a:r>
+            <a:endParaRPr lang="sr-Latn-RS" dirty="0"/>
+          </a:p>
+          <a:p>
+            <a:r>
+              <a:rPr lang="sr-Latn-RS" dirty="0" smtClean="0"/>
+              <a:t>kao što su određivanje veličina i uglova odgovarajućih vektora. Ti rezultati su dalje upotrebljeni za pretvaranje</a:t>
+            </a:r>
+          </a:p>
+          <a:p>
+            <a:r>
+              <a:rPr lang="sr-Latn-RS" dirty="0" smtClean="0"/>
+              <a:t>u odgovarajuću boju.</a:t>
+            </a:r>
+          </a:p>
+        </p:txBody>
+      </p:sp>
+    </p:spTree>
+    <p:extLst>
+      <p:ext uri="{BB962C8B-B14F-4D97-AF65-F5344CB8AC3E}">
+        <p14:creationId xmlns:p14="http://schemas.microsoft.com/office/powerpoint/2010/main" val="1119908189"/>
+      </p:ext>
+    </p:extLst>
+  </p:cSld>
+  <p:clrMapOvr>
+    <a:masterClrMapping/>
+  </p:clrMapOvr>
+</p:sld>
+</file>
+
+<file path=ppt/slides/slide13.xml><?xml version="1.0" encoding="utf-8"?>
+<p:sld xmlns:a="http://schemas.openxmlformats.org/drawingml/2006/main" xmlns:r="http://schemas.openxmlformats.org/officeDocument/2006/relationships" xmlns:p="http://schemas.openxmlformats.org/presentationml/2006/main">
+  <p:cSld>
+    <p:spTree>
+      <p:nvGrpSpPr>
+        <p:cNvPr id="1" name=""/>
+        <p:cNvGrpSpPr/>
+        <p:nvPr/>
+      </p:nvGrpSpPr>
+      <p:grpSpPr>
+        <a:xfrm>
+          <a:off x="0" y="0"/>
+          <a:ext cx="0" cy="0"/>
+          <a:chOff x="0" y="0"/>
+          <a:chExt cx="0" cy="0"/>
+        </a:xfrm>
+      </p:grpSpPr>
+      <p:sp>
+        <p:nvSpPr>
+          <p:cNvPr id="2" name="Title 1"/>
+          <p:cNvSpPr>
+            <a:spLocks noGrp="1"/>
+          </p:cNvSpPr>
+          <p:nvPr>
+            <p:ph type="title"/>
+          </p:nvPr>
+        </p:nvSpPr>
+        <p:spPr/>
+        <p:txBody>
+          <a:bodyPr/>
+          <a:lstStyle/>
+          <a:p>
+            <a:r>
+              <a:rPr lang="sr-Latn-RS" dirty="0"/>
+              <a:t>Optical flow - Gunner Farneback</a:t>
+            </a:r>
+          </a:p>
+        </p:txBody>
+      </p:sp>
+      <p:pic>
+        <p:nvPicPr>
+          <p:cNvPr id="4" name="Content Placeholder 3"/>
+          <p:cNvPicPr>
+            <a:picLocks noGrp="1" noChangeAspect="1"/>
+          </p:cNvPicPr>
+          <p:nvPr>
+            <p:ph idx="1"/>
+          </p:nvPr>
+        </p:nvPicPr>
+        <p:blipFill>
+          <a:blip r:embed="rId2"/>
+          <a:stretch>
+            <a:fillRect/>
+          </a:stretch>
+        </p:blipFill>
+        <p:spPr>
+          <a:xfrm>
+            <a:off x="1141413" y="2097088"/>
+            <a:ext cx="4295775" cy="2628900"/>
+          </a:xfrm>
+          <a:prstGeom prst="rect">
+            <a:avLst/>
+          </a:prstGeom>
+        </p:spPr>
+      </p:pic>
+      <p:pic>
+        <p:nvPicPr>
+          <p:cNvPr id="6" name="Picture 5"/>
+          <p:cNvPicPr>
+            <a:picLocks noChangeAspect="1"/>
+          </p:cNvPicPr>
+          <p:nvPr/>
+        </p:nvPicPr>
+        <p:blipFill>
+          <a:blip r:embed="rId3"/>
+          <a:stretch>
+            <a:fillRect/>
+          </a:stretch>
+        </p:blipFill>
+        <p:spPr>
+          <a:xfrm>
+            <a:off x="6732586" y="2106613"/>
+            <a:ext cx="4314825" cy="2619375"/>
+          </a:xfrm>
+          <a:prstGeom prst="rect">
+            <a:avLst/>
+          </a:prstGeom>
+        </p:spPr>
+      </p:pic>
+      <p:sp>
+        <p:nvSpPr>
+          <p:cNvPr id="7" name="TextBox 6"/>
+          <p:cNvSpPr txBox="1"/>
+          <p:nvPr/>
+        </p:nvSpPr>
+        <p:spPr>
+          <a:xfrm>
+            <a:off x="1141413" y="5090615"/>
+            <a:ext cx="10036103" cy="923330"/>
+          </a:xfrm>
+          <a:prstGeom prst="rect">
+            <a:avLst/>
+          </a:prstGeom>
+          <a:noFill/>
+        </p:spPr>
+        <p:txBody>
+          <a:bodyPr wrap="square" rtlCol="0">
+            <a:spAutoFit/>
+          </a:bodyPr>
+          <a:lstStyle/>
+          <a:p>
+            <a:r>
+              <a:rPr lang="sr-Latn-RS" dirty="0" smtClean="0"/>
+              <a:t>Rezultat prikazan na prethodnoj slici je provučen kroz operaciju kojom se RGB slika pretvara  u sliku sa nijansama sive (leva slika). To nam je potrebno kako bi smo uradili binarizaciju slike (desna slika).  Nakon </a:t>
+            </a:r>
+          </a:p>
+          <a:p>
+            <a:r>
+              <a:rPr lang="sr-Latn-RS" dirty="0" smtClean="0"/>
+              <a:t>izvršene binarizacije odrađena je i erozija.</a:t>
+            </a:r>
+            <a:endParaRPr lang="sr-Latn-RS" dirty="0"/>
+          </a:p>
+        </p:txBody>
+      </p:sp>
+    </p:spTree>
+    <p:extLst>
+      <p:ext uri="{BB962C8B-B14F-4D97-AF65-F5344CB8AC3E}">
+        <p14:creationId xmlns:p14="http://schemas.microsoft.com/office/powerpoint/2010/main" val="1607191490"/>
+      </p:ext>
+    </p:extLst>
+  </p:cSld>
+  <p:clrMapOvr>
+    <a:masterClrMapping/>
+  </p:clrMapOvr>
+</p:sld>
+</file>
+
+<file path=ppt/slides/slide14.xml><?xml version="1.0" encoding="utf-8"?>
+<p:sld xmlns:a="http://schemas.openxmlformats.org/drawingml/2006/main" xmlns:r="http://schemas.openxmlformats.org/officeDocument/2006/relationships" xmlns:p="http://schemas.openxmlformats.org/presentationml/2006/main">
+  <p:cSld>
+    <p:spTree>
+      <p:nvGrpSpPr>
+        <p:cNvPr id="1" name=""/>
+        <p:cNvGrpSpPr/>
+        <p:nvPr/>
+      </p:nvGrpSpPr>
+      <p:grpSpPr>
+        <a:xfrm>
+          <a:off x="0" y="0"/>
+          <a:ext cx="0" cy="0"/>
+          <a:chOff x="0" y="0"/>
+          <a:chExt cx="0" cy="0"/>
+        </a:xfrm>
+      </p:grpSpPr>
+      <p:sp>
+        <p:nvSpPr>
+          <p:cNvPr id="2" name="Title 1"/>
+          <p:cNvSpPr>
+            <a:spLocks noGrp="1"/>
+          </p:cNvSpPr>
+          <p:nvPr>
+            <p:ph type="title"/>
+          </p:nvPr>
+        </p:nvSpPr>
+        <p:spPr/>
+        <p:txBody>
+          <a:bodyPr/>
+          <a:lstStyle/>
+          <a:p>
+            <a:r>
+              <a:rPr lang="sr-Latn-RS" dirty="0"/>
+              <a:t>Optical flow - Gunner Farneback</a:t>
+            </a:r>
+          </a:p>
+        </p:txBody>
+      </p:sp>
+      <p:pic>
+        <p:nvPicPr>
+          <p:cNvPr id="4" name="Content Placeholder 3"/>
+          <p:cNvPicPr>
+            <a:picLocks noGrp="1" noChangeAspect="1"/>
+          </p:cNvPicPr>
+          <p:nvPr>
+            <p:ph idx="1"/>
+          </p:nvPr>
+        </p:nvPicPr>
+        <p:blipFill>
+          <a:blip r:embed="rId2"/>
+          <a:stretch>
+            <a:fillRect/>
+          </a:stretch>
+        </p:blipFill>
+        <p:spPr>
+          <a:xfrm>
+            <a:off x="1141413" y="2097088"/>
+            <a:ext cx="4295775" cy="2647950"/>
+          </a:xfrm>
+          <a:prstGeom prst="rect">
+            <a:avLst/>
+          </a:prstGeom>
+        </p:spPr>
+      </p:pic>
+      <p:pic>
+        <p:nvPicPr>
+          <p:cNvPr id="5" name="Picture 4"/>
+          <p:cNvPicPr>
+            <a:picLocks noChangeAspect="1"/>
+          </p:cNvPicPr>
+          <p:nvPr/>
+        </p:nvPicPr>
+        <p:blipFill>
+          <a:blip r:embed="rId3"/>
+          <a:stretch>
+            <a:fillRect/>
+          </a:stretch>
+        </p:blipFill>
+        <p:spPr>
+          <a:xfrm>
+            <a:off x="6751636" y="2116138"/>
+            <a:ext cx="4295775" cy="2628900"/>
+          </a:xfrm>
+          <a:prstGeom prst="rect">
+            <a:avLst/>
+          </a:prstGeom>
+        </p:spPr>
+      </p:pic>
+      <p:sp>
+        <p:nvSpPr>
+          <p:cNvPr id="6" name="TextBox 5"/>
+          <p:cNvSpPr txBox="1"/>
+          <p:nvPr/>
+        </p:nvSpPr>
+        <p:spPr>
+          <a:xfrm>
+            <a:off x="1141413" y="5308979"/>
+            <a:ext cx="10004727" cy="1200329"/>
+          </a:xfrm>
+          <a:prstGeom prst="rect">
+            <a:avLst/>
+          </a:prstGeom>
+          <a:noFill/>
+        </p:spPr>
+        <p:txBody>
+          <a:bodyPr wrap="none" rtlCol="0">
+            <a:spAutoFit/>
+          </a:bodyPr>
+          <a:lstStyle/>
+          <a:p>
+            <a:r>
+              <a:rPr lang="sr-Latn-RS" dirty="0" smtClean="0"/>
+              <a:t>Nad rezultatom koji je prikazan  na prethodnoj slici primenjena je operacija koja omogućava pronalaženje</a:t>
+            </a:r>
+          </a:p>
+          <a:p>
+            <a:r>
+              <a:rPr lang="sr-Latn-RS" dirty="0" smtClean="0"/>
+              <a:t>kontura. Nakon uspešnog pronalaženja konture izvršeno je iscrtavanje pravougaonika oko njih.</a:t>
+            </a:r>
+          </a:p>
+          <a:p>
+            <a:r>
+              <a:rPr lang="sr-Latn-RS" dirty="0" smtClean="0"/>
+              <a:t>Sa desne slike koja predstavlja krajnji rezultat, može se videti da je program od jedanaest osoba uspešno </a:t>
+            </a:r>
+          </a:p>
+          <a:p>
+            <a:r>
+              <a:rPr lang="sr-Latn-RS" dirty="0" smtClean="0"/>
+              <a:t>uočio deset osoba pa možemo reći da je program uspešno odradio posao.</a:t>
+            </a:r>
+            <a:endParaRPr lang="sr-Latn-RS" dirty="0"/>
+          </a:p>
+        </p:txBody>
+      </p:sp>
+    </p:spTree>
+    <p:extLst>
+      <p:ext uri="{BB962C8B-B14F-4D97-AF65-F5344CB8AC3E}">
+        <p14:creationId xmlns:p14="http://schemas.microsoft.com/office/powerpoint/2010/main" val="308468550"/>
+      </p:ext>
+    </p:extLst>
+  </p:cSld>
+  <p:clrMapOvr>
+    <a:masterClrMapping/>
+  </p:clrMapOvr>
+</p:sld>
+</file>
+
+<file path=ppt/slides/slide15.xml><?xml version="1.0" encoding="utf-8"?>
+<p:sld xmlns:a="http://schemas.openxmlformats.org/drawingml/2006/main" xmlns:r="http://schemas.openxmlformats.org/officeDocument/2006/relationships" xmlns:p="http://schemas.openxmlformats.org/presentationml/2006/main">
+  <p:cSld>
+    <p:spTree>
+      <p:nvGrpSpPr>
+        <p:cNvPr id="1" name=""/>
+        <p:cNvGrpSpPr/>
+        <p:nvPr/>
+      </p:nvGrpSpPr>
+      <p:grpSpPr>
+        <a:xfrm>
+          <a:off x="0" y="0"/>
+          <a:ext cx="0" cy="0"/>
+          <a:chOff x="0" y="0"/>
+          <a:chExt cx="0" cy="0"/>
+        </a:xfrm>
+      </p:grpSpPr>
+      <p:sp>
+        <p:nvSpPr>
+          <p:cNvPr id="2" name="Title 1"/>
+          <p:cNvSpPr>
+            <a:spLocks noGrp="1"/>
+          </p:cNvSpPr>
+          <p:nvPr>
+            <p:ph type="title"/>
+          </p:nvPr>
+        </p:nvSpPr>
+        <p:spPr/>
+        <p:txBody>
+          <a:bodyPr/>
+          <a:lstStyle/>
+          <a:p>
+            <a:r>
+              <a:rPr lang="sr-Latn-RS" dirty="0" smtClean="0"/>
+              <a:t>problemi</a:t>
+            </a:r>
+            <a:endParaRPr lang="sr-Latn-RS" dirty="0"/>
+          </a:p>
+        </p:txBody>
+      </p:sp>
+      <p:pic>
+        <p:nvPicPr>
+          <p:cNvPr id="4" name="Content Placeholder 3"/>
+          <p:cNvPicPr>
+            <a:picLocks noGrp="1" noChangeAspect="1"/>
+          </p:cNvPicPr>
+          <p:nvPr>
+            <p:ph idx="1"/>
+          </p:nvPr>
+        </p:nvPicPr>
+        <p:blipFill>
+          <a:blip r:embed="rId2"/>
+          <a:stretch>
+            <a:fillRect/>
+          </a:stretch>
+        </p:blipFill>
+        <p:spPr>
+          <a:xfrm>
+            <a:off x="1259232" y="1687655"/>
+            <a:ext cx="5185702" cy="3170948"/>
+          </a:xfrm>
+          <a:prstGeom prst="rect">
+            <a:avLst/>
+          </a:prstGeom>
+        </p:spPr>
+      </p:pic>
+      <p:sp>
+        <p:nvSpPr>
+          <p:cNvPr id="5" name="TextBox 4"/>
+          <p:cNvSpPr txBox="1"/>
+          <p:nvPr/>
+        </p:nvSpPr>
+        <p:spPr>
+          <a:xfrm>
+            <a:off x="1259231" y="5025303"/>
+            <a:ext cx="8075837" cy="1200329"/>
+          </a:xfrm>
+          <a:prstGeom prst="rect">
+            <a:avLst/>
+          </a:prstGeom>
+          <a:noFill/>
+        </p:spPr>
+        <p:txBody>
+          <a:bodyPr wrap="square" rtlCol="0">
+            <a:spAutoFit/>
+          </a:bodyPr>
+          <a:lstStyle/>
+          <a:p>
+            <a:r>
+              <a:rPr lang="sr-Latn-RS" dirty="0" smtClean="0"/>
+              <a:t>Nasuprot prethodnom slučaju, ova slika pokazuje da u pojedinim slučajevima program ne daje vrhunske rezultate. Razlog za to je kolizija kontura osoba. Jedna od ideja da se reši ovo je kombinacija hog-a i Gunner </a:t>
+            </a:r>
+            <a:r>
+              <a:rPr lang="sr-Latn-RS" dirty="0"/>
+              <a:t>Farneback-ove </a:t>
+            </a:r>
+            <a:r>
+              <a:rPr lang="sr-Latn-RS" dirty="0" smtClean="0"/>
+              <a:t>metode. Metoda hog-a bi se</a:t>
+            </a:r>
+          </a:p>
+          <a:p>
+            <a:r>
+              <a:rPr lang="sr-Latn-RS" dirty="0" smtClean="0"/>
+              <a:t>primenjivala nad konturama. </a:t>
+            </a:r>
+            <a:endParaRPr lang="sr-Latn-RS" dirty="0"/>
+          </a:p>
+        </p:txBody>
+      </p:sp>
+    </p:spTree>
+    <p:extLst>
+      <p:ext uri="{BB962C8B-B14F-4D97-AF65-F5344CB8AC3E}">
+        <p14:creationId xmlns:p14="http://schemas.microsoft.com/office/powerpoint/2010/main" val="2388818621"/>
+      </p:ext>
+    </p:extLst>
+  </p:cSld>
+  <p:clrMapOvr>
+    <a:masterClrMapping/>
+  </p:clrMapOvr>
+</p:sld>
+</file>
+
+<file path=ppt/slides/slide16.xml><?xml version="1.0" encoding="utf-8"?>
+<p:sld xmlns:a="http://schemas.openxmlformats.org/drawingml/2006/main" xmlns:r="http://schemas.openxmlformats.org/officeDocument/2006/relationships" xmlns:p="http://schemas.openxmlformats.org/presentationml/2006/main">
+  <p:cSld>
+    <p:spTree>
+      <p:nvGrpSpPr>
+        <p:cNvPr id="1" name=""/>
+        <p:cNvGrpSpPr/>
+        <p:nvPr/>
+      </p:nvGrpSpPr>
+      <p:grpSpPr>
+        <a:xfrm>
+          <a:off x="0" y="0"/>
+          <a:ext cx="0" cy="0"/>
+          <a:chOff x="0" y="0"/>
+          <a:chExt cx="0" cy="0"/>
+        </a:xfrm>
+      </p:grpSpPr>
+      <p:sp>
+        <p:nvSpPr>
+          <p:cNvPr id="2" name="Title 1"/>
+          <p:cNvSpPr>
+            <a:spLocks noGrp="1"/>
+          </p:cNvSpPr>
+          <p:nvPr>
+            <p:ph type="title"/>
+          </p:nvPr>
+        </p:nvSpPr>
+        <p:spPr/>
+        <p:txBody>
+          <a:bodyPr/>
+          <a:lstStyle/>
+          <a:p>
+            <a:r>
+              <a:rPr lang="sr-Latn-RS" dirty="0" smtClean="0"/>
+              <a:t>Dodatne ideje</a:t>
+            </a:r>
+            <a:endParaRPr lang="sr-Latn-RS" dirty="0"/>
+          </a:p>
+        </p:txBody>
+      </p:sp>
+      <p:sp>
+        <p:nvSpPr>
+          <p:cNvPr id="3" name="Content Placeholder 2"/>
+          <p:cNvSpPr>
+            <a:spLocks noGrp="1"/>
+          </p:cNvSpPr>
+          <p:nvPr>
+            <p:ph idx="1"/>
+          </p:nvPr>
+        </p:nvSpPr>
+        <p:spPr/>
+        <p:txBody>
+          <a:bodyPr/>
+          <a:lstStyle/>
+          <a:p>
+            <a:r>
+              <a:rPr lang="sr-Latn-RS" dirty="0" smtClean="0"/>
+              <a:t>Meriti </a:t>
+            </a:r>
+            <a:r>
+              <a:rPr lang="sr-Latn-RS" smtClean="0"/>
+              <a:t>pređeni put osobe</a:t>
+            </a:r>
+            <a:endParaRPr lang="sr-Latn-RS" dirty="0" smtClean="0"/>
+          </a:p>
+          <a:p>
+            <a:r>
+              <a:rPr lang="sr-Latn-RS" dirty="0" smtClean="0"/>
+              <a:t>Meriti vreme kojim se ukazuje koliko dugo se osoba prati</a:t>
+            </a:r>
+            <a:endParaRPr lang="sr-Latn-RS" dirty="0"/>
+          </a:p>
+        </p:txBody>
+      </p:sp>
+    </p:spTree>
+    <p:extLst>
+      <p:ext uri="{BB962C8B-B14F-4D97-AF65-F5344CB8AC3E}">
+        <p14:creationId xmlns:p14="http://schemas.microsoft.com/office/powerpoint/2010/main" val="3973192814"/>
+      </p:ext>
+    </p:extLst>
+  </p:cSld>
+  <p:clrMapOvr>
+    <a:masterClrMapping/>
+  </p:clrMapOvr>
+</p:sld>
+</file>
+
+<file path=ppt/slides/slide17.xml><?xml version="1.0" encoding="utf-8"?>
+<p:sld xmlns:a="http://schemas.openxmlformats.org/drawingml/2006/main" xmlns:r="http://schemas.openxmlformats.org/officeDocument/2006/relationships" xmlns:p="http://schemas.openxmlformats.org/presentationml/2006/main">
+  <p:cSld>
+    <p:spTree>
+      <p:nvGrpSpPr>
+        <p:cNvPr id="1" name=""/>
+        <p:cNvGrpSpPr/>
+        <p:nvPr/>
+      </p:nvGrpSpPr>
+      <p:grpSpPr>
+        <a:xfrm>
+          <a:off x="0" y="0"/>
+          <a:ext cx="0" cy="0"/>
+          <a:chOff x="0" y="0"/>
+          <a:chExt cx="0" cy="0"/>
+        </a:xfrm>
+      </p:grpSpPr>
+      <p:sp>
+        <p:nvSpPr>
+          <p:cNvPr id="2" name="Title 1"/>
+          <p:cNvSpPr>
+            <a:spLocks noGrp="1"/>
+          </p:cNvSpPr>
+          <p:nvPr>
+            <p:ph type="title"/>
+          </p:nvPr>
+        </p:nvSpPr>
+        <p:spPr/>
+        <p:txBody>
+          <a:bodyPr/>
+          <a:lstStyle/>
+          <a:p>
+            <a:r>
+              <a:rPr lang="sr-Latn-RS" dirty="0" smtClean="0"/>
+              <a:t>Literatura</a:t>
+            </a:r>
+            <a:endParaRPr lang="sr-Latn-RS" dirty="0"/>
+          </a:p>
+        </p:txBody>
+      </p:sp>
+      <p:sp>
+        <p:nvSpPr>
+          <p:cNvPr id="3" name="Content Placeholder 2"/>
+          <p:cNvSpPr>
+            <a:spLocks noGrp="1"/>
+          </p:cNvSpPr>
+          <p:nvPr>
+            <p:ph idx="1"/>
+          </p:nvPr>
+        </p:nvSpPr>
+        <p:spPr/>
+        <p:txBody>
+          <a:bodyPr/>
+          <a:lstStyle/>
+          <a:p>
+            <a:r>
+              <a:rPr lang="en-US" dirty="0" err="1"/>
+              <a:t>Navneet</a:t>
+            </a:r>
+            <a:r>
+              <a:rPr lang="en-US" dirty="0"/>
+              <a:t> </a:t>
+            </a:r>
+            <a:r>
+              <a:rPr lang="en-US" dirty="0" err="1"/>
+              <a:t>Dalal</a:t>
+            </a:r>
+            <a:r>
+              <a:rPr lang="en-US" dirty="0"/>
+              <a:t> and Bill </a:t>
+            </a:r>
+            <a:r>
+              <a:rPr lang="en-US" dirty="0" err="1"/>
+              <a:t>Triggs</a:t>
+            </a:r>
+            <a:r>
+              <a:rPr lang="sr-Latn-RS" dirty="0"/>
+              <a:t>: „</a:t>
+            </a:r>
+            <a:r>
+              <a:rPr lang="en-US" dirty="0"/>
+              <a:t>Histograms of Oriented Gradients for Human Detection </a:t>
+            </a:r>
+            <a:r>
+              <a:rPr lang="sr-Latn-RS" dirty="0"/>
+              <a:t>“</a:t>
+            </a:r>
+          </a:p>
+          <a:p>
+            <a:r>
+              <a:rPr lang="sr-Latn-RS" dirty="0"/>
+              <a:t> Universitatea Tehnica din Cluj-Napoca     http://users.utcluj.ro/~raluca/prs/prs_lab_05e.pdf</a:t>
+            </a:r>
+          </a:p>
+          <a:p>
+            <a:r>
+              <a:rPr lang="sr-Latn-RS" dirty="0"/>
+              <a:t>Gunnar </a:t>
+            </a:r>
+            <a:r>
+              <a:rPr lang="sr-Latn-RS" dirty="0" smtClean="0"/>
+              <a:t>Farneback: „</a:t>
+            </a:r>
+            <a:r>
+              <a:rPr lang="en-US" dirty="0"/>
+              <a:t>Two-Frame Motion Estimation Based on Polynomial </a:t>
+            </a:r>
+            <a:r>
+              <a:rPr lang="en-US" dirty="0" smtClean="0"/>
+              <a:t>Expansion</a:t>
+            </a:r>
+            <a:r>
+              <a:rPr lang="sr-Latn-RS" dirty="0" smtClean="0"/>
+              <a:t>“</a:t>
+            </a:r>
+            <a:endParaRPr lang="sr-Latn-RS" dirty="0"/>
+          </a:p>
+        </p:txBody>
+      </p:sp>
+    </p:spTree>
+    <p:extLst>
+      <p:ext uri="{BB962C8B-B14F-4D97-AF65-F5344CB8AC3E}">
+        <p14:creationId xmlns:p14="http://schemas.microsoft.com/office/powerpoint/2010/main" val="2790691665"/>
+      </p:ext>
+    </p:extLst>
+  </p:cSld>
+  <p:clrMapOvr>
+    <a:masterClrMapping/>
+  </p:clrMapOvr>
+</p:sld>
+</file>
+
 <file path=ppt/slides/slide2.xml><?xml version="1.0" encoding="utf-8"?>
 <p:sld xmlns:a="http://schemas.openxmlformats.org/drawingml/2006/main" xmlns:r="http://schemas.openxmlformats.org/officeDocument/2006/relationships" xmlns:p="http://schemas.openxmlformats.org/presentationml/2006/main">
   <p:cSld>
@@ -13474,10 +14492,15 @@
             <p:ph idx="1"/>
           </p:nvPr>
         </p:nvSpPr>
-        <p:spPr/>
+        <p:spPr>
+          <a:xfrm>
+            <a:off x="1141412" y="2249486"/>
+            <a:ext cx="9905999" cy="3932949"/>
+          </a:xfrm>
+        </p:spPr>
         <p:txBody>
           <a:bodyPr>
-            <a:normAutofit fontScale="85000" lnSpcReduction="20000"/>
+            <a:normAutofit fontScale="92500" lnSpcReduction="20000"/>
           </a:bodyPr>
           <a:lstStyle/>
           <a:p>
@@ -13533,15 +14556,11 @@
             <a:pPr lvl="1"/>
             <a:r>
               <a:rPr lang="sr-Latn-RS" dirty="0" smtClean="0"/>
-              <a:t>Jedna od pretpostavki za tako mali broj prepoznavanja je ugao </a:t>
-            </a:r>
-            <a:r>
-              <a:rPr lang="sr-Latn-RS" smtClean="0"/>
-              <a:t>iz kjeg </a:t>
+              <a:t>Jedna od pretpostavki za tako mali broj prepoznavanja je ugao iz kjeg kamera </a:t>
             </a:r>
             <a:r>
               <a:rPr lang="sr-Latn-RS" dirty="0" smtClean="0"/>
-              <a:t>kamera gleda</a:t>
+              <a:t>gleda i mali broj uzoraka prilikom obučavanja.</a:t>
             </a:r>
             <a:endParaRPr lang="sr-Latn-RS" dirty="0"/>
           </a:p>
@@ -13563,8 +14582,8 @@
         </p:blipFill>
         <p:spPr>
           <a:xfrm>
-            <a:off x="5275261" y="3276600"/>
-            <a:ext cx="2897189" cy="1804389"/>
+            <a:off x="5411737" y="3382002"/>
+            <a:ext cx="3356979" cy="2090749"/>
           </a:xfrm>
           <a:prstGeom prst="rect">
             <a:avLst/>
